--- a/ex02/ex02_ans.pptx
+++ b/ex02/ex02_ans.pptx
@@ -7,7 +7,11 @@
   <p:sldIdLst>
     <p:sldId id="256" r:id="rId2"/>
     <p:sldId id="257" r:id="rId3"/>
-    <p:sldId id="258" r:id="rId4"/>
+    <p:sldId id="262" r:id="rId4"/>
+    <p:sldId id="263" r:id="rId5"/>
+    <p:sldId id="264" r:id="rId6"/>
+    <p:sldId id="258" r:id="rId7"/>
+    <p:sldId id="265" r:id="rId8"/>
   </p:sldIdLst>
   <p:sldSz cx="12192000" cy="6858000"/>
   <p:notesSz cx="6858000" cy="9144000"/>
@@ -106,6 +110,11 @@
       </a:defRPr>
     </a:lvl9pPr>
   </p:defaultTextStyle>
+  <p:extLst>
+    <p:ext uri="{EFAFB233-063F-42B5-8137-9DF3F51BA10A}">
+      <p15:sldGuideLst xmlns:p15="http://schemas.microsoft.com/office/powerpoint/2012/main"/>
+    </p:ext>
+  </p:extLst>
 </p:presentation>
 </file>
 
@@ -240,7 +249,7 @@
           <a:p>
             <a:fld id="{3D154D70-52F1-4062-90DD-C2CBD82D9EBE}" type="datetimeFigureOut">
               <a:rPr lang="zh-TW" altLang="en-US" smtClean="0"/>
-              <a:t>2020/5/7</a:t>
+              <a:t>2020/5/12</a:t>
             </a:fld>
             <a:endParaRPr lang="zh-TW" altLang="en-US"/>
           </a:p>
@@ -410,7 +419,7 @@
           <a:p>
             <a:fld id="{3D154D70-52F1-4062-90DD-C2CBD82D9EBE}" type="datetimeFigureOut">
               <a:rPr lang="zh-TW" altLang="en-US" smtClean="0"/>
-              <a:t>2020/5/7</a:t>
+              <a:t>2020/5/12</a:t>
             </a:fld>
             <a:endParaRPr lang="zh-TW" altLang="en-US"/>
           </a:p>
@@ -590,7 +599,7 @@
           <a:p>
             <a:fld id="{3D154D70-52F1-4062-90DD-C2CBD82D9EBE}" type="datetimeFigureOut">
               <a:rPr lang="zh-TW" altLang="en-US" smtClean="0"/>
-              <a:t>2020/5/7</a:t>
+              <a:t>2020/5/12</a:t>
             </a:fld>
             <a:endParaRPr lang="zh-TW" altLang="en-US"/>
           </a:p>
@@ -760,7 +769,7 @@
           <a:p>
             <a:fld id="{3D154D70-52F1-4062-90DD-C2CBD82D9EBE}" type="datetimeFigureOut">
               <a:rPr lang="zh-TW" altLang="en-US" smtClean="0"/>
-              <a:t>2020/5/7</a:t>
+              <a:t>2020/5/12</a:t>
             </a:fld>
             <a:endParaRPr lang="zh-TW" altLang="en-US"/>
           </a:p>
@@ -1006,7 +1015,7 @@
           <a:p>
             <a:fld id="{3D154D70-52F1-4062-90DD-C2CBD82D9EBE}" type="datetimeFigureOut">
               <a:rPr lang="zh-TW" altLang="en-US" smtClean="0"/>
-              <a:t>2020/5/7</a:t>
+              <a:t>2020/5/12</a:t>
             </a:fld>
             <a:endParaRPr lang="zh-TW" altLang="en-US"/>
           </a:p>
@@ -1238,7 +1247,7 @@
           <a:p>
             <a:fld id="{3D154D70-52F1-4062-90DD-C2CBD82D9EBE}" type="datetimeFigureOut">
               <a:rPr lang="zh-TW" altLang="en-US" smtClean="0"/>
-              <a:t>2020/5/7</a:t>
+              <a:t>2020/5/12</a:t>
             </a:fld>
             <a:endParaRPr lang="zh-TW" altLang="en-US"/>
           </a:p>
@@ -1605,7 +1614,7 @@
           <a:p>
             <a:fld id="{3D154D70-52F1-4062-90DD-C2CBD82D9EBE}" type="datetimeFigureOut">
               <a:rPr lang="zh-TW" altLang="en-US" smtClean="0"/>
-              <a:t>2020/5/7</a:t>
+              <a:t>2020/5/12</a:t>
             </a:fld>
             <a:endParaRPr lang="zh-TW" altLang="en-US"/>
           </a:p>
@@ -1723,7 +1732,7 @@
           <a:p>
             <a:fld id="{3D154D70-52F1-4062-90DD-C2CBD82D9EBE}" type="datetimeFigureOut">
               <a:rPr lang="zh-TW" altLang="en-US" smtClean="0"/>
-              <a:t>2020/5/7</a:t>
+              <a:t>2020/5/12</a:t>
             </a:fld>
             <a:endParaRPr lang="zh-TW" altLang="en-US"/>
           </a:p>
@@ -1818,7 +1827,7 @@
           <a:p>
             <a:fld id="{3D154D70-52F1-4062-90DD-C2CBD82D9EBE}" type="datetimeFigureOut">
               <a:rPr lang="zh-TW" altLang="en-US" smtClean="0"/>
-              <a:t>2020/5/7</a:t>
+              <a:t>2020/5/12</a:t>
             </a:fld>
             <a:endParaRPr lang="zh-TW" altLang="en-US"/>
           </a:p>
@@ -2095,7 +2104,7 @@
           <a:p>
             <a:fld id="{3D154D70-52F1-4062-90DD-C2CBD82D9EBE}" type="datetimeFigureOut">
               <a:rPr lang="zh-TW" altLang="en-US" smtClean="0"/>
-              <a:t>2020/5/7</a:t>
+              <a:t>2020/5/12</a:t>
             </a:fld>
             <a:endParaRPr lang="zh-TW" altLang="en-US"/>
           </a:p>
@@ -2348,7 +2357,7 @@
           <a:p>
             <a:fld id="{3D154D70-52F1-4062-90DD-C2CBD82D9EBE}" type="datetimeFigureOut">
               <a:rPr lang="zh-TW" altLang="en-US" smtClean="0"/>
-              <a:t>2020/5/7</a:t>
+              <a:t>2020/5/12</a:t>
             </a:fld>
             <a:endParaRPr lang="zh-TW" altLang="en-US"/>
           </a:p>
@@ -2561,7 +2570,7 @@
           <a:p>
             <a:fld id="{3D154D70-52F1-4062-90DD-C2CBD82D9EBE}" type="datetimeFigureOut">
               <a:rPr lang="zh-TW" altLang="en-US" smtClean="0"/>
-              <a:t>2020/5/7</a:t>
+              <a:t>2020/5/12</a:t>
             </a:fld>
             <a:endParaRPr lang="zh-TW" altLang="en-US"/>
           </a:p>
@@ -3170,6 +3179,257 @@
 <file path=ppt/slides/slide3.xml><?xml version="1.0" encoding="utf-8"?>
 <p:sld xmlns:a="http://schemas.openxmlformats.org/drawingml/2006/main" xmlns:r="http://schemas.openxmlformats.org/officeDocument/2006/relationships" xmlns:p="http://schemas.openxmlformats.org/presentationml/2006/main">
   <p:cSld>
+    <p:bg>
+      <p:bgRef idx="1001">
+        <a:schemeClr val="bg1"/>
+      </p:bgRef>
+    </p:bg>
+    <p:spTree>
+      <p:nvGrpSpPr>
+        <p:cNvPr id="1" name=""/>
+        <p:cNvGrpSpPr/>
+        <p:nvPr/>
+      </p:nvGrpSpPr>
+      <p:grpSpPr>
+        <a:xfrm>
+          <a:off x="0" y="0"/>
+          <a:ext cx="0" cy="0"/>
+          <a:chOff x="0" y="0"/>
+          <a:chExt cx="0" cy="0"/>
+        </a:xfrm>
+      </p:grpSpPr>
+      <p:pic>
+        <p:nvPicPr>
+          <p:cNvPr id="5" name="內容版面配置區 4"/>
+          <p:cNvPicPr>
+            <a:picLocks noGrp="1" noChangeAspect="1"/>
+          </p:cNvPicPr>
+          <p:nvPr>
+            <p:ph idx="1"/>
+          </p:nvPr>
+        </p:nvPicPr>
+        <p:blipFill>
+          <a:blip r:embed="rId3"/>
+          <a:stretch>
+            <a:fillRect/>
+          </a:stretch>
+        </p:blipFill>
+        <p:spPr>
+          <a:xfrm>
+            <a:off x="3884070" y="1825625"/>
+            <a:ext cx="4423860" cy="4351338"/>
+          </a:xfrm>
+        </p:spPr>
+      </p:pic>
+      <p:sp>
+        <p:nvSpPr>
+          <p:cNvPr id="10" name="標題 9"/>
+          <p:cNvSpPr>
+            <a:spLocks noGrp="1"/>
+          </p:cNvSpPr>
+          <p:nvPr>
+            <p:ph type="title"/>
+          </p:nvPr>
+        </p:nvSpPr>
+        <p:spPr/>
+        <p:txBody>
+          <a:bodyPr/>
+          <a:lstStyle/>
+          <a:p>
+            <a:r>
+              <a:rPr lang="en-US" altLang="zh-TW" dirty="0"/>
+              <a:t>(1) function </a:t>
+            </a:r>
+            <a:r>
+              <a:rPr lang="en-US" altLang="zh-TW" dirty="0" smtClean="0"/>
+              <a:t>F</a:t>
+            </a:r>
+            <a:endParaRPr lang="zh-TW" altLang="en-US" dirty="0"/>
+          </a:p>
+        </p:txBody>
+      </p:sp>
+    </p:spTree>
+    <p:extLst>
+      <p:ext uri="{BB962C8B-B14F-4D97-AF65-F5344CB8AC3E}">
+        <p14:creationId xmlns:p14="http://schemas.microsoft.com/office/powerpoint/2010/main" val="1976462195"/>
+      </p:ext>
+    </p:extLst>
+  </p:cSld>
+  <p:clrMapOvr>
+    <a:overrideClrMapping bg1="lt1" tx1="dk1" bg2="lt2" tx2="dk2" accent1="accent1" accent2="accent2" accent3="accent3" accent4="accent4" accent5="accent5" accent6="accent6" hlink="hlink" folHlink="folHlink"/>
+  </p:clrMapOvr>
+</p:sld>
+</file>
+
+<file path=ppt/slides/slide4.xml><?xml version="1.0" encoding="utf-8"?>
+<p:sld xmlns:a="http://schemas.openxmlformats.org/drawingml/2006/main" xmlns:r="http://schemas.openxmlformats.org/officeDocument/2006/relationships" xmlns:p="http://schemas.openxmlformats.org/presentationml/2006/main">
+  <p:cSld>
+    <p:spTree>
+      <p:nvGrpSpPr>
+        <p:cNvPr id="1" name=""/>
+        <p:cNvGrpSpPr/>
+        <p:nvPr/>
+      </p:nvGrpSpPr>
+      <p:grpSpPr>
+        <a:xfrm>
+          <a:off x="0" y="0"/>
+          <a:ext cx="0" cy="0"/>
+          <a:chOff x="0" y="0"/>
+          <a:chExt cx="0" cy="0"/>
+        </a:xfrm>
+      </p:grpSpPr>
+      <p:sp>
+        <p:nvSpPr>
+          <p:cNvPr id="3" name="標題 2"/>
+          <p:cNvSpPr>
+            <a:spLocks noGrp="1"/>
+          </p:cNvSpPr>
+          <p:nvPr>
+            <p:ph type="title"/>
+          </p:nvPr>
+        </p:nvSpPr>
+        <p:spPr/>
+        <p:txBody>
+          <a:bodyPr/>
+          <a:lstStyle/>
+          <a:p>
+            <a:r>
+              <a:rPr lang="en-US" altLang="zh-TW" dirty="0"/>
+              <a:t>(2) function </a:t>
+            </a:r>
+            <a:r>
+              <a:rPr lang="en-US" altLang="zh-TW" dirty="0" smtClean="0"/>
+              <a:t>main</a:t>
+            </a:r>
+            <a:endParaRPr lang="zh-TW" altLang="en-US" dirty="0"/>
+          </a:p>
+        </p:txBody>
+      </p:sp>
+      <p:pic>
+        <p:nvPicPr>
+          <p:cNvPr id="5" name="內容版面配置區 4"/>
+          <p:cNvPicPr>
+            <a:picLocks noGrp="1" noChangeAspect="1"/>
+          </p:cNvPicPr>
+          <p:nvPr>
+            <p:ph idx="1"/>
+          </p:nvPr>
+        </p:nvPicPr>
+        <p:blipFill>
+          <a:blip r:embed="rId2"/>
+          <a:stretch>
+            <a:fillRect/>
+          </a:stretch>
+        </p:blipFill>
+        <p:spPr>
+          <a:xfrm>
+            <a:off x="4093691" y="1825625"/>
+            <a:ext cx="4004617" cy="4351338"/>
+          </a:xfrm>
+          <a:prstGeom prst="rect">
+            <a:avLst/>
+          </a:prstGeom>
+        </p:spPr>
+      </p:pic>
+    </p:spTree>
+    <p:extLst>
+      <p:ext uri="{BB962C8B-B14F-4D97-AF65-F5344CB8AC3E}">
+        <p14:creationId xmlns:p14="http://schemas.microsoft.com/office/powerpoint/2010/main" val="969205529"/>
+      </p:ext>
+    </p:extLst>
+  </p:cSld>
+  <p:clrMapOvr>
+    <a:masterClrMapping/>
+  </p:clrMapOvr>
+</p:sld>
+</file>
+
+<file path=ppt/slides/slide5.xml><?xml version="1.0" encoding="utf-8"?>
+<p:sld xmlns:a="http://schemas.openxmlformats.org/drawingml/2006/main" xmlns:r="http://schemas.openxmlformats.org/officeDocument/2006/relationships" xmlns:p="http://schemas.openxmlformats.org/presentationml/2006/main">
+  <p:cSld>
+    <p:spTree>
+      <p:nvGrpSpPr>
+        <p:cNvPr id="1" name=""/>
+        <p:cNvGrpSpPr/>
+        <p:nvPr/>
+      </p:nvGrpSpPr>
+      <p:grpSpPr>
+        <a:xfrm>
+          <a:off x="0" y="0"/>
+          <a:ext cx="0" cy="0"/>
+          <a:chOff x="0" y="0"/>
+          <a:chExt cx="0" cy="0"/>
+        </a:xfrm>
+      </p:grpSpPr>
+      <p:sp>
+        <p:nvSpPr>
+          <p:cNvPr id="3" name="標題 2"/>
+          <p:cNvSpPr>
+            <a:spLocks noGrp="1"/>
+          </p:cNvSpPr>
+          <p:nvPr>
+            <p:ph type="title"/>
+          </p:nvPr>
+        </p:nvSpPr>
+        <p:spPr/>
+        <p:txBody>
+          <a:bodyPr/>
+          <a:lstStyle/>
+          <a:p>
+            <a:r>
+              <a:rPr lang="en-US" altLang="zh-TW" dirty="0"/>
+              <a:t>(3) Function </a:t>
+            </a:r>
+            <a:r>
+              <a:rPr lang="en-US" altLang="zh-TW" dirty="0" err="1" smtClean="0"/>
+              <a:t>printf</a:t>
+            </a:r>
+            <a:endParaRPr lang="zh-TW" altLang="en-US" dirty="0"/>
+          </a:p>
+        </p:txBody>
+      </p:sp>
+      <p:pic>
+        <p:nvPicPr>
+          <p:cNvPr id="5" name="內容版面配置區 4"/>
+          <p:cNvPicPr>
+            <a:picLocks noGrp="1" noChangeAspect="1"/>
+          </p:cNvPicPr>
+          <p:nvPr>
+            <p:ph idx="1"/>
+          </p:nvPr>
+        </p:nvPicPr>
+        <p:blipFill>
+          <a:blip r:embed="rId2"/>
+          <a:stretch>
+            <a:fillRect/>
+          </a:stretch>
+        </p:blipFill>
+        <p:spPr>
+          <a:xfrm>
+            <a:off x="3726075" y="1825625"/>
+            <a:ext cx="4739850" cy="4351338"/>
+          </a:xfrm>
+          <a:prstGeom prst="rect">
+            <a:avLst/>
+          </a:prstGeom>
+        </p:spPr>
+      </p:pic>
+    </p:spTree>
+    <p:extLst>
+      <p:ext uri="{BB962C8B-B14F-4D97-AF65-F5344CB8AC3E}">
+        <p14:creationId xmlns:p14="http://schemas.microsoft.com/office/powerpoint/2010/main" val="3443778131"/>
+      </p:ext>
+    </p:extLst>
+  </p:cSld>
+  <p:clrMapOvr>
+    <a:masterClrMapping/>
+  </p:clrMapOvr>
+</p:sld>
+</file>
+
+<file path=ppt/slides/slide6.xml><?xml version="1.0" encoding="utf-8"?>
+<p:sld xmlns:a="http://schemas.openxmlformats.org/drawingml/2006/main" xmlns:r="http://schemas.openxmlformats.org/officeDocument/2006/relationships" xmlns:p="http://schemas.openxmlformats.org/presentationml/2006/main">
+  <p:cSld>
     <p:spTree>
       <p:nvGrpSpPr>
         <p:cNvPr id="1" name=""/>
@@ -3240,6 +3500,36 @@
     <p:extLst>
       <p:ext uri="{BB962C8B-B14F-4D97-AF65-F5344CB8AC3E}">
         <p14:creationId xmlns:p14="http://schemas.microsoft.com/office/powerpoint/2010/main" val="3714324356"/>
+      </p:ext>
+    </p:extLst>
+  </p:cSld>
+  <p:clrMapOvr>
+    <a:masterClrMapping/>
+  </p:clrMapOvr>
+</p:sld>
+</file>
+
+<file path=ppt/slides/slide7.xml><?xml version="1.0" encoding="utf-8"?>
+<p:sld xmlns:a="http://schemas.openxmlformats.org/drawingml/2006/main" xmlns:r="http://schemas.openxmlformats.org/officeDocument/2006/relationships" xmlns:p="http://schemas.openxmlformats.org/presentationml/2006/main">
+  <p:cSld>
+    <p:spTree>
+      <p:nvGrpSpPr>
+        <p:cNvPr id="1" name=""/>
+        <p:cNvGrpSpPr/>
+        <p:nvPr/>
+      </p:nvGrpSpPr>
+      <p:grpSpPr>
+        <a:xfrm>
+          <a:off x="0" y="0"/>
+          <a:ext cx="0" cy="0"/>
+          <a:chOff x="0" y="0"/>
+          <a:chExt cx="0" cy="0"/>
+        </a:xfrm>
+      </p:grpSpPr>
+    </p:spTree>
+    <p:extLst>
+      <p:ext uri="{BB962C8B-B14F-4D97-AF65-F5344CB8AC3E}">
+        <p14:creationId xmlns:p14="http://schemas.microsoft.com/office/powerpoint/2010/main" val="374112460"/>
       </p:ext>
     </p:extLst>
   </p:cSld>
@@ -3508,4 +3798,47 @@
     </a:ext>
   </a:extLst>
 </a:theme>
+</file>
+
+<file path=ppt/theme/themeOverride1.xml><?xml version="1.0" encoding="utf-8"?>
+<a:themeOverride xmlns:a="http://schemas.openxmlformats.org/drawingml/2006/main">
+  <a:clrScheme name="Office">
+    <a:dk1>
+      <a:sysClr val="windowText" lastClr="000000"/>
+    </a:dk1>
+    <a:lt1>
+      <a:sysClr val="window" lastClr="FFFFFF"/>
+    </a:lt1>
+    <a:dk2>
+      <a:srgbClr val="44546A"/>
+    </a:dk2>
+    <a:lt2>
+      <a:srgbClr val="E7E6E6"/>
+    </a:lt2>
+    <a:accent1>
+      <a:srgbClr val="5B9BD5"/>
+    </a:accent1>
+    <a:accent2>
+      <a:srgbClr val="ED7D31"/>
+    </a:accent2>
+    <a:accent3>
+      <a:srgbClr val="A5A5A5"/>
+    </a:accent3>
+    <a:accent4>
+      <a:srgbClr val="FFC000"/>
+    </a:accent4>
+    <a:accent5>
+      <a:srgbClr val="4472C4"/>
+    </a:accent5>
+    <a:accent6>
+      <a:srgbClr val="70AD47"/>
+    </a:accent6>
+    <a:hlink>
+      <a:srgbClr val="0563C1"/>
+    </a:hlink>
+    <a:folHlink>
+      <a:srgbClr val="954F72"/>
+    </a:folHlink>
+  </a:clrScheme>
+</a:themeOverride>
 </file>